--- a/消息队列/消息队列.pptx
+++ b/消息队列/消息队列.pptx
@@ -109,6 +109,11 @@
       </a:defRPr>
     </a:lvl9pPr>
   </p:defaultTextStyle>
+  <p:extLst>
+    <p:ext uri="{EFAFB233-063F-42B5-8137-9DF3F51BA10A}">
+      <p15:sldGuideLst xmlns:p15="http://schemas.microsoft.com/office/powerpoint/2012/main"/>
+    </p:ext>
+  </p:extLst>
 </p:presentation>
 </file>
 
@@ -3346,16 +3351,21 @@
           <a:lstStyle/>
           <a:p>
             <a:r>
+              <a:rPr lang="zh-CN" altLang="en-US" dirty="0"/>
+              <a:t>串行方式：将注册信息写入数据库成功后，发送注册邮件，再发送注册短信</a:t>
+            </a:r>
+            <a:r>
               <a:rPr lang="zh-CN" altLang="en-US" dirty="0" smtClean="0"/>
-              <a:t>穿行方式</a:t>
+              <a:t>。</a:t>
             </a:r>
             <a:endParaRPr lang="en-US" altLang="zh-CN" dirty="0" smtClean="0"/>
           </a:p>
           <a:p>
             <a:r>
               <a:rPr lang="zh-CN" altLang="en-US" dirty="0"/>
-              <a:t>并行方式</a:t>
-            </a:r>
+              <a:t>并行方式：将注册信息写入数据库成功后，发送注册邮件的同时，发送注册短信。</a:t>
+            </a:r>
+            <a:endParaRPr lang="zh-CN" altLang="en-US" dirty="0"/>
           </a:p>
         </p:txBody>
       </p:sp>
